--- a/docs/Status and trends workflow.pptx
+++ b/docs/Status and trends workflow.pptx
@@ -7,6 +7,7 @@
   <p:sldIdLst>
     <p:sldId id="256" r:id="rId2"/>
     <p:sldId id="257" r:id="rId3"/>
+    <p:sldId id="258" r:id="rId4"/>
   </p:sldIdLst>
   <p:sldSz cx="12192000" cy="6858000"/>
   <p:notesSz cx="6858000" cy="9144000"/>
@@ -260,7 +261,7 @@
           <a:p>
             <a:fld id="{331082B1-81D6-45D7-9158-220DE32EACF5}" type="datetimeFigureOut">
               <a:rPr lang="en-US" smtClean="0"/>
-              <a:t>3/15/2019</a:t>
+              <a:t>3/21/2019</a:t>
             </a:fld>
             <a:endParaRPr lang="en-US"/>
           </a:p>
@@ -458,7 +459,7 @@
           <a:p>
             <a:fld id="{331082B1-81D6-45D7-9158-220DE32EACF5}" type="datetimeFigureOut">
               <a:rPr lang="en-US" smtClean="0"/>
-              <a:t>3/15/2019</a:t>
+              <a:t>3/21/2019</a:t>
             </a:fld>
             <a:endParaRPr lang="en-US"/>
           </a:p>
@@ -666,7 +667,7 @@
           <a:p>
             <a:fld id="{331082B1-81D6-45D7-9158-220DE32EACF5}" type="datetimeFigureOut">
               <a:rPr lang="en-US" smtClean="0"/>
-              <a:t>3/15/2019</a:t>
+              <a:t>3/21/2019</a:t>
             </a:fld>
             <a:endParaRPr lang="en-US"/>
           </a:p>
@@ -864,7 +865,7 @@
           <a:p>
             <a:fld id="{331082B1-81D6-45D7-9158-220DE32EACF5}" type="datetimeFigureOut">
               <a:rPr lang="en-US" smtClean="0"/>
-              <a:t>3/15/2019</a:t>
+              <a:t>3/21/2019</a:t>
             </a:fld>
             <a:endParaRPr lang="en-US"/>
           </a:p>
@@ -1139,7 +1140,7 @@
           <a:p>
             <a:fld id="{331082B1-81D6-45D7-9158-220DE32EACF5}" type="datetimeFigureOut">
               <a:rPr lang="en-US" smtClean="0"/>
-              <a:t>3/15/2019</a:t>
+              <a:t>3/21/2019</a:t>
             </a:fld>
             <a:endParaRPr lang="en-US"/>
           </a:p>
@@ -1404,7 +1405,7 @@
           <a:p>
             <a:fld id="{331082B1-81D6-45D7-9158-220DE32EACF5}" type="datetimeFigureOut">
               <a:rPr lang="en-US" smtClean="0"/>
-              <a:t>3/15/2019</a:t>
+              <a:t>3/21/2019</a:t>
             </a:fld>
             <a:endParaRPr lang="en-US"/>
           </a:p>
@@ -1816,7 +1817,7 @@
           <a:p>
             <a:fld id="{331082B1-81D6-45D7-9158-220DE32EACF5}" type="datetimeFigureOut">
               <a:rPr lang="en-US" smtClean="0"/>
-              <a:t>3/15/2019</a:t>
+              <a:t>3/21/2019</a:t>
             </a:fld>
             <a:endParaRPr lang="en-US"/>
           </a:p>
@@ -1957,7 +1958,7 @@
           <a:p>
             <a:fld id="{331082B1-81D6-45D7-9158-220DE32EACF5}" type="datetimeFigureOut">
               <a:rPr lang="en-US" smtClean="0"/>
-              <a:t>3/15/2019</a:t>
+              <a:t>3/21/2019</a:t>
             </a:fld>
             <a:endParaRPr lang="en-US"/>
           </a:p>
@@ -2070,7 +2071,7 @@
           <a:p>
             <a:fld id="{331082B1-81D6-45D7-9158-220DE32EACF5}" type="datetimeFigureOut">
               <a:rPr lang="en-US" smtClean="0"/>
-              <a:t>3/15/2019</a:t>
+              <a:t>3/21/2019</a:t>
             </a:fld>
             <a:endParaRPr lang="en-US"/>
           </a:p>
@@ -2381,7 +2382,7 @@
           <a:p>
             <a:fld id="{331082B1-81D6-45D7-9158-220DE32EACF5}" type="datetimeFigureOut">
               <a:rPr lang="en-US" smtClean="0"/>
-              <a:t>3/15/2019</a:t>
+              <a:t>3/21/2019</a:t>
             </a:fld>
             <a:endParaRPr lang="en-US"/>
           </a:p>
@@ -2669,7 +2670,7 @@
           <a:p>
             <a:fld id="{331082B1-81D6-45D7-9158-220DE32EACF5}" type="datetimeFigureOut">
               <a:rPr lang="en-US" smtClean="0"/>
-              <a:t>3/15/2019</a:t>
+              <a:t>3/21/2019</a:t>
             </a:fld>
             <a:endParaRPr lang="en-US"/>
           </a:p>
@@ -2910,7 +2911,7 @@
           <a:p>
             <a:fld id="{331082B1-81D6-45D7-9158-220DE32EACF5}" type="datetimeFigureOut">
               <a:rPr lang="en-US" smtClean="0"/>
-              <a:t>3/15/2019</a:t>
+              <a:t>3/21/2019</a:t>
             </a:fld>
             <a:endParaRPr lang="en-US"/>
           </a:p>
@@ -4271,6 +4272,688 @@
 </p:sld>
 </file>
 
+<file path=ppt/slides/slide3.xml><?xml version="1.0" encoding="utf-8"?>
+<p:sld xmlns:a="http://schemas.openxmlformats.org/drawingml/2006/main" xmlns:r="http://schemas.openxmlformats.org/officeDocument/2006/relationships" xmlns:p="http://schemas.openxmlformats.org/presentationml/2006/main">
+  <p:cSld>
+    <p:spTree>
+      <p:nvGrpSpPr>
+        <p:cNvPr id="1" name=""/>
+        <p:cNvGrpSpPr/>
+        <p:nvPr/>
+      </p:nvGrpSpPr>
+      <p:grpSpPr>
+        <a:xfrm>
+          <a:off x="0" y="0"/>
+          <a:ext cx="0" cy="0"/>
+          <a:chOff x="0" y="0"/>
+          <a:chExt cx="0" cy="0"/>
+        </a:xfrm>
+      </p:grpSpPr>
+      <p:sp>
+        <p:nvSpPr>
+          <p:cNvPr id="2" name="Title 1">
+            <a:extLst>
+              <a:ext uri="{FF2B5EF4-FFF2-40B4-BE49-F238E27FC236}">
+                <a16:creationId xmlns:a16="http://schemas.microsoft.com/office/drawing/2014/main" id="{DD6ACE7D-180A-4943-B4CE-A16C3DD03A65}"/>
+              </a:ext>
+            </a:extLst>
+          </p:cNvPr>
+          <p:cNvSpPr>
+            <a:spLocks noGrp="1"/>
+          </p:cNvSpPr>
+          <p:nvPr>
+            <p:ph type="title"/>
+          </p:nvPr>
+        </p:nvSpPr>
+        <p:spPr/>
+        <p:txBody>
+          <a:bodyPr/>
+          <a:lstStyle/>
+          <a:p>
+            <a:r>
+              <a:rPr lang="en-US" dirty="0"/>
+              <a:t>Python</a:t>
+            </a:r>
+          </a:p>
+        </p:txBody>
+      </p:sp>
+      <p:sp>
+        <p:nvSpPr>
+          <p:cNvPr id="6" name="Rectangle 5">
+            <a:extLst>
+              <a:ext uri="{FF2B5EF4-FFF2-40B4-BE49-F238E27FC236}">
+                <a16:creationId xmlns:a16="http://schemas.microsoft.com/office/drawing/2014/main" id="{6853D783-0816-4425-A502-98976C2401E0}"/>
+              </a:ext>
+            </a:extLst>
+          </p:cNvPr>
+          <p:cNvSpPr/>
+          <p:nvPr/>
+        </p:nvSpPr>
+        <p:spPr>
+          <a:xfrm>
+            <a:off x="6463630" y="4961164"/>
+            <a:ext cx="1209837" cy="569488"/>
+          </a:xfrm>
+          <a:prstGeom prst="rect">
+            <a:avLst/>
+          </a:prstGeom>
+          <a:solidFill>
+            <a:schemeClr val="accent2"/>
+          </a:solidFill>
+        </p:spPr>
+        <p:style>
+          <a:lnRef idx="2">
+            <a:schemeClr val="accent1">
+              <a:shade val="50000"/>
+            </a:schemeClr>
+          </a:lnRef>
+          <a:fillRef idx="1">
+            <a:schemeClr val="accent1"/>
+          </a:fillRef>
+          <a:effectRef idx="0">
+            <a:schemeClr val="accent1"/>
+          </a:effectRef>
+          <a:fontRef idx="minor">
+            <a:schemeClr val="lt1"/>
+          </a:fontRef>
+        </p:style>
+        <p:txBody>
+          <a:bodyPr rtlCol="0" anchor="ctr"/>
+          <a:lstStyle/>
+          <a:p>
+            <a:pPr algn="ctr"/>
+            <a:r>
+              <a:rPr lang="en-US" b="1" dirty="0"/>
+              <a:t>store.py</a:t>
+            </a:r>
+          </a:p>
+        </p:txBody>
+      </p:sp>
+      <p:cxnSp>
+        <p:nvCxnSpPr>
+          <p:cNvPr id="8" name="Straight Arrow Connector 7">
+            <a:extLst>
+              <a:ext uri="{FF2B5EF4-FFF2-40B4-BE49-F238E27FC236}">
+                <a16:creationId xmlns:a16="http://schemas.microsoft.com/office/drawing/2014/main" id="{4B9A114F-867B-4949-889B-FA842F9243C7}"/>
+              </a:ext>
+            </a:extLst>
+          </p:cNvPr>
+          <p:cNvCxnSpPr>
+            <a:cxnSpLocks/>
+          </p:cNvCxnSpPr>
+          <p:nvPr/>
+        </p:nvCxnSpPr>
+        <p:spPr>
+          <a:xfrm flipH="1" flipV="1">
+            <a:off x="1645654" y="4775200"/>
+            <a:ext cx="2487862" cy="42779"/>
+          </a:xfrm>
+          <a:prstGeom prst="straightConnector1">
+            <a:avLst/>
+          </a:prstGeom>
+          <a:ln>
+            <a:solidFill>
+              <a:schemeClr val="tx1"/>
+            </a:solidFill>
+            <a:tailEnd type="triangle"/>
+          </a:ln>
+        </p:spPr>
+        <p:style>
+          <a:lnRef idx="1">
+            <a:schemeClr val="accent1"/>
+          </a:lnRef>
+          <a:fillRef idx="0">
+            <a:schemeClr val="accent1"/>
+          </a:fillRef>
+          <a:effectRef idx="0">
+            <a:schemeClr val="accent1"/>
+          </a:effectRef>
+          <a:fontRef idx="minor">
+            <a:schemeClr val="tx1"/>
+          </a:fontRef>
+        </p:style>
+      </p:cxnSp>
+      <p:cxnSp>
+        <p:nvCxnSpPr>
+          <p:cNvPr id="9" name="Straight Arrow Connector 8">
+            <a:extLst>
+              <a:ext uri="{FF2B5EF4-FFF2-40B4-BE49-F238E27FC236}">
+                <a16:creationId xmlns:a16="http://schemas.microsoft.com/office/drawing/2014/main" id="{E27D8A1D-5FE3-4165-9511-0A110284B111}"/>
+              </a:ext>
+            </a:extLst>
+          </p:cNvPr>
+          <p:cNvCxnSpPr>
+            <a:cxnSpLocks/>
+          </p:cNvCxnSpPr>
+          <p:nvPr/>
+        </p:nvCxnSpPr>
+        <p:spPr>
+          <a:xfrm>
+            <a:off x="5567947" y="4301953"/>
+            <a:ext cx="0" cy="376987"/>
+          </a:xfrm>
+          <a:prstGeom prst="straightConnector1">
+            <a:avLst/>
+          </a:prstGeom>
+          <a:ln>
+            <a:solidFill>
+              <a:schemeClr val="tx1"/>
+            </a:solidFill>
+            <a:tailEnd type="triangle"/>
+          </a:ln>
+        </p:spPr>
+        <p:style>
+          <a:lnRef idx="1">
+            <a:schemeClr val="accent1"/>
+          </a:lnRef>
+          <a:fillRef idx="0">
+            <a:schemeClr val="accent1"/>
+          </a:fillRef>
+          <a:effectRef idx="0">
+            <a:schemeClr val="accent1"/>
+          </a:effectRef>
+          <a:fontRef idx="minor">
+            <a:schemeClr val="tx1"/>
+          </a:fontRef>
+        </p:style>
+      </p:cxnSp>
+      <p:sp>
+        <p:nvSpPr>
+          <p:cNvPr id="10" name="Rectangle 9">
+            <a:extLst>
+              <a:ext uri="{FF2B5EF4-FFF2-40B4-BE49-F238E27FC236}">
+                <a16:creationId xmlns:a16="http://schemas.microsoft.com/office/drawing/2014/main" id="{106B9965-09C9-4C3D-8EFE-255342ABB52C}"/>
+              </a:ext>
+            </a:extLst>
+          </p:cNvPr>
+          <p:cNvSpPr/>
+          <p:nvPr/>
+        </p:nvSpPr>
+        <p:spPr>
+          <a:xfrm>
+            <a:off x="6463630" y="3629002"/>
+            <a:ext cx="1209837" cy="529352"/>
+          </a:xfrm>
+          <a:prstGeom prst="rect">
+            <a:avLst/>
+          </a:prstGeom>
+          <a:solidFill>
+            <a:schemeClr val="accent2"/>
+          </a:solidFill>
+        </p:spPr>
+        <p:style>
+          <a:lnRef idx="2">
+            <a:schemeClr val="accent1">
+              <a:shade val="50000"/>
+            </a:schemeClr>
+          </a:lnRef>
+          <a:fillRef idx="1">
+            <a:schemeClr val="accent1"/>
+          </a:fillRef>
+          <a:effectRef idx="0">
+            <a:schemeClr val="accent1"/>
+          </a:effectRef>
+          <a:fontRef idx="minor">
+            <a:schemeClr val="lt1"/>
+          </a:fontRef>
+        </p:style>
+        <p:txBody>
+          <a:bodyPr rtlCol="0" anchor="ctr"/>
+          <a:lstStyle/>
+          <a:p>
+            <a:pPr algn="ctr"/>
+            <a:r>
+              <a:rPr lang="en-US" b="1" dirty="0"/>
+              <a:t>read.py</a:t>
+            </a:r>
+          </a:p>
+        </p:txBody>
+      </p:sp>
+      <p:sp>
+        <p:nvSpPr>
+          <p:cNvPr id="11" name="Rectangle 10">
+            <a:extLst>
+              <a:ext uri="{FF2B5EF4-FFF2-40B4-BE49-F238E27FC236}">
+                <a16:creationId xmlns:a16="http://schemas.microsoft.com/office/drawing/2014/main" id="{EDD24656-87ED-4557-BD02-3545A8236338}"/>
+              </a:ext>
+            </a:extLst>
+          </p:cNvPr>
+          <p:cNvSpPr/>
+          <p:nvPr/>
+        </p:nvSpPr>
+        <p:spPr>
+          <a:xfrm>
+            <a:off x="6444918" y="2570580"/>
+            <a:ext cx="1191123" cy="441576"/>
+          </a:xfrm>
+          <a:prstGeom prst="rect">
+            <a:avLst/>
+          </a:prstGeom>
+          <a:solidFill>
+            <a:schemeClr val="accent2"/>
+          </a:solidFill>
+        </p:spPr>
+        <p:style>
+          <a:lnRef idx="2">
+            <a:schemeClr val="accent1">
+              <a:shade val="50000"/>
+            </a:schemeClr>
+          </a:lnRef>
+          <a:fillRef idx="1">
+            <a:schemeClr val="accent1"/>
+          </a:fillRef>
+          <a:effectRef idx="0">
+            <a:schemeClr val="accent1"/>
+          </a:effectRef>
+          <a:fontRef idx="minor">
+            <a:schemeClr val="lt1"/>
+          </a:fontRef>
+        </p:style>
+        <p:txBody>
+          <a:bodyPr rtlCol="0" anchor="ctr"/>
+          <a:lstStyle/>
+          <a:p>
+            <a:pPr algn="ctr"/>
+            <a:r>
+              <a:rPr lang="en-US" b="1" dirty="0"/>
+              <a:t>fetch.py</a:t>
+            </a:r>
+          </a:p>
+        </p:txBody>
+      </p:sp>
+      <p:sp>
+        <p:nvSpPr>
+          <p:cNvPr id="12" name="Rectangle 11">
+            <a:extLst>
+              <a:ext uri="{FF2B5EF4-FFF2-40B4-BE49-F238E27FC236}">
+                <a16:creationId xmlns:a16="http://schemas.microsoft.com/office/drawing/2014/main" id="{552E549D-F534-4517-B00F-E1949A97B962}"/>
+              </a:ext>
+            </a:extLst>
+          </p:cNvPr>
+          <p:cNvSpPr/>
+          <p:nvPr/>
+        </p:nvSpPr>
+        <p:spPr>
+          <a:xfrm>
+            <a:off x="1418390" y="2270414"/>
+            <a:ext cx="914400" cy="914400"/>
+          </a:xfrm>
+          <a:prstGeom prst="rect">
+            <a:avLst/>
+          </a:prstGeom>
+          <a:solidFill>
+            <a:schemeClr val="accent2"/>
+          </a:solidFill>
+        </p:spPr>
+        <p:style>
+          <a:lnRef idx="2">
+            <a:schemeClr val="accent1">
+              <a:shade val="50000"/>
+            </a:schemeClr>
+          </a:lnRef>
+          <a:fillRef idx="1">
+            <a:schemeClr val="accent1"/>
+          </a:fillRef>
+          <a:effectRef idx="0">
+            <a:schemeClr val="accent1"/>
+          </a:effectRef>
+          <a:fontRef idx="minor">
+            <a:schemeClr val="lt1"/>
+          </a:fontRef>
+        </p:style>
+        <p:txBody>
+          <a:bodyPr rtlCol="0" anchor="ctr"/>
+          <a:lstStyle/>
+          <a:p>
+            <a:pPr algn="ctr"/>
+            <a:r>
+              <a:rPr lang="en-US" b="1" dirty="0"/>
+              <a:t>Main</a:t>
+            </a:r>
+          </a:p>
+        </p:txBody>
+      </p:sp>
+      <p:sp>
+        <p:nvSpPr>
+          <p:cNvPr id="14" name="TextBox 13">
+            <a:extLst>
+              <a:ext uri="{FF2B5EF4-FFF2-40B4-BE49-F238E27FC236}">
+                <a16:creationId xmlns:a16="http://schemas.microsoft.com/office/drawing/2014/main" id="{C7F84419-52FA-4A8F-9477-9D6E9714118F}"/>
+              </a:ext>
+            </a:extLst>
+          </p:cNvPr>
+          <p:cNvSpPr txBox="1"/>
+          <p:nvPr/>
+        </p:nvSpPr>
+        <p:spPr>
+          <a:xfrm>
+            <a:off x="6444918" y="2054060"/>
+            <a:ext cx="1059906" cy="369332"/>
+          </a:xfrm>
+          <a:prstGeom prst="rect">
+            <a:avLst/>
+          </a:prstGeom>
+          <a:noFill/>
+        </p:spPr>
+        <p:txBody>
+          <a:bodyPr wrap="none" rtlCol="0">
+            <a:spAutoFit/>
+          </a:bodyPr>
+          <a:lstStyle/>
+          <a:p>
+            <a:r>
+              <a:rPr lang="en-US" dirty="0"/>
+              <a:t>functions</a:t>
+            </a:r>
+          </a:p>
+        </p:txBody>
+      </p:sp>
+      <p:sp>
+        <p:nvSpPr>
+          <p:cNvPr id="15" name="TextBox 14">
+            <a:extLst>
+              <a:ext uri="{FF2B5EF4-FFF2-40B4-BE49-F238E27FC236}">
+                <a16:creationId xmlns:a16="http://schemas.microsoft.com/office/drawing/2014/main" id="{7AF22FA1-9DC6-488B-A7D7-866E71B89BC9}"/>
+              </a:ext>
+            </a:extLst>
+          </p:cNvPr>
+          <p:cNvSpPr txBox="1"/>
+          <p:nvPr/>
+        </p:nvSpPr>
+        <p:spPr>
+          <a:xfrm>
+            <a:off x="11015898" y="216998"/>
+            <a:ext cx="566181" cy="369332"/>
+          </a:xfrm>
+          <a:prstGeom prst="rect">
+            <a:avLst/>
+          </a:prstGeom>
+          <a:noFill/>
+        </p:spPr>
+        <p:txBody>
+          <a:bodyPr wrap="none" rtlCol="0">
+            <a:spAutoFit/>
+          </a:bodyPr>
+          <a:lstStyle/>
+          <a:p>
+            <a:r>
+              <a:rPr lang="en-US" dirty="0"/>
+              <a:t>files</a:t>
+            </a:r>
+          </a:p>
+        </p:txBody>
+      </p:sp>
+      <p:sp>
+        <p:nvSpPr>
+          <p:cNvPr id="17" name="Rectangle 16">
+            <a:extLst>
+              <a:ext uri="{FF2B5EF4-FFF2-40B4-BE49-F238E27FC236}">
+                <a16:creationId xmlns:a16="http://schemas.microsoft.com/office/drawing/2014/main" id="{EC788BF8-5D84-4463-97C4-7590230ED8B0}"/>
+              </a:ext>
+            </a:extLst>
+          </p:cNvPr>
+          <p:cNvSpPr/>
+          <p:nvPr/>
+        </p:nvSpPr>
+        <p:spPr>
+          <a:xfrm>
+            <a:off x="10720300" y="592133"/>
+            <a:ext cx="1191123" cy="441576"/>
+          </a:xfrm>
+          <a:prstGeom prst="rect">
+            <a:avLst/>
+          </a:prstGeom>
+          <a:solidFill>
+            <a:srgbClr val="0070C0"/>
+          </a:solidFill>
+        </p:spPr>
+        <p:style>
+          <a:lnRef idx="2">
+            <a:schemeClr val="accent1">
+              <a:shade val="50000"/>
+            </a:schemeClr>
+          </a:lnRef>
+          <a:fillRef idx="1">
+            <a:schemeClr val="accent1"/>
+          </a:fillRef>
+          <a:effectRef idx="0">
+            <a:schemeClr val="accent1"/>
+          </a:effectRef>
+          <a:fontRef idx="minor">
+            <a:schemeClr val="lt1"/>
+          </a:fontRef>
+        </p:style>
+        <p:txBody>
+          <a:bodyPr rtlCol="0" anchor="ctr"/>
+          <a:lstStyle/>
+          <a:p>
+            <a:pPr algn="ctr"/>
+            <a:endParaRPr lang="en-US" b="1" dirty="0"/>
+          </a:p>
+        </p:txBody>
+      </p:sp>
+      <p:sp>
+        <p:nvSpPr>
+          <p:cNvPr id="18" name="Rectangle 17">
+            <a:extLst>
+              <a:ext uri="{FF2B5EF4-FFF2-40B4-BE49-F238E27FC236}">
+                <a16:creationId xmlns:a16="http://schemas.microsoft.com/office/drawing/2014/main" id="{8C9FFDBA-08BF-4BCE-900F-EA0D7911D943}"/>
+              </a:ext>
+            </a:extLst>
+          </p:cNvPr>
+          <p:cNvSpPr/>
+          <p:nvPr/>
+        </p:nvSpPr>
+        <p:spPr>
+          <a:xfrm>
+            <a:off x="8760329" y="1228767"/>
+            <a:ext cx="1191123" cy="441576"/>
+          </a:xfrm>
+          <a:prstGeom prst="rect">
+            <a:avLst/>
+          </a:prstGeom>
+          <a:solidFill>
+            <a:schemeClr val="accent6">
+              <a:lumMod val="60000"/>
+              <a:lumOff val="40000"/>
+            </a:schemeClr>
+          </a:solidFill>
+        </p:spPr>
+        <p:style>
+          <a:lnRef idx="2">
+            <a:schemeClr val="accent1">
+              <a:shade val="50000"/>
+            </a:schemeClr>
+          </a:lnRef>
+          <a:fillRef idx="1">
+            <a:schemeClr val="accent1"/>
+          </a:fillRef>
+          <a:effectRef idx="0">
+            <a:schemeClr val="accent1"/>
+          </a:effectRef>
+          <a:fontRef idx="minor">
+            <a:schemeClr val="lt1"/>
+          </a:fontRef>
+        </p:style>
+        <p:txBody>
+          <a:bodyPr rtlCol="0" anchor="ctr"/>
+          <a:lstStyle/>
+          <a:p>
+            <a:pPr algn="ctr"/>
+            <a:r>
+              <a:rPr lang="en-US" b="1" dirty="0"/>
+              <a:t>EDI</a:t>
+            </a:r>
+          </a:p>
+        </p:txBody>
+      </p:sp>
+      <p:sp>
+        <p:nvSpPr>
+          <p:cNvPr id="19" name="Rectangle 18">
+            <a:extLst>
+              <a:ext uri="{FF2B5EF4-FFF2-40B4-BE49-F238E27FC236}">
+                <a16:creationId xmlns:a16="http://schemas.microsoft.com/office/drawing/2014/main" id="{B3076945-8A07-4689-812E-86161AD3FAD3}"/>
+              </a:ext>
+            </a:extLst>
+          </p:cNvPr>
+          <p:cNvSpPr/>
+          <p:nvPr/>
+        </p:nvSpPr>
+        <p:spPr>
+          <a:xfrm>
+            <a:off x="8709528" y="586330"/>
+            <a:ext cx="1191123" cy="441576"/>
+          </a:xfrm>
+          <a:prstGeom prst="rect">
+            <a:avLst/>
+          </a:prstGeom>
+          <a:solidFill>
+            <a:schemeClr val="accent6">
+              <a:lumMod val="60000"/>
+              <a:lumOff val="40000"/>
+            </a:schemeClr>
+          </a:solidFill>
+        </p:spPr>
+        <p:style>
+          <a:lnRef idx="2">
+            <a:schemeClr val="accent1">
+              <a:shade val="50000"/>
+            </a:schemeClr>
+          </a:lnRef>
+          <a:fillRef idx="1">
+            <a:schemeClr val="accent1"/>
+          </a:fillRef>
+          <a:effectRef idx="0">
+            <a:schemeClr val="accent1"/>
+          </a:effectRef>
+          <a:fontRef idx="minor">
+            <a:schemeClr val="lt1"/>
+          </a:fontRef>
+        </p:style>
+        <p:txBody>
+          <a:bodyPr rtlCol="0" anchor="ctr"/>
+          <a:lstStyle/>
+          <a:p>
+            <a:pPr algn="ctr"/>
+            <a:r>
+              <a:rPr lang="en-US" b="1" dirty="0"/>
+              <a:t>CDFW ftp</a:t>
+            </a:r>
+          </a:p>
+        </p:txBody>
+      </p:sp>
+      <p:sp>
+        <p:nvSpPr>
+          <p:cNvPr id="20" name="TextBox 19">
+            <a:extLst>
+              <a:ext uri="{FF2B5EF4-FFF2-40B4-BE49-F238E27FC236}">
+                <a16:creationId xmlns:a16="http://schemas.microsoft.com/office/drawing/2014/main" id="{D16E8032-64BE-43A9-9066-D844589242EF}"/>
+              </a:ext>
+            </a:extLst>
+          </p:cNvPr>
+          <p:cNvSpPr txBox="1"/>
+          <p:nvPr/>
+        </p:nvSpPr>
+        <p:spPr>
+          <a:xfrm>
+            <a:off x="8911709" y="196475"/>
+            <a:ext cx="897810" cy="369332"/>
+          </a:xfrm>
+          <a:prstGeom prst="rect">
+            <a:avLst/>
+          </a:prstGeom>
+          <a:noFill/>
+        </p:spPr>
+        <p:txBody>
+          <a:bodyPr wrap="none" rtlCol="0">
+            <a:spAutoFit/>
+          </a:bodyPr>
+          <a:lstStyle/>
+          <a:p>
+            <a:r>
+              <a:rPr lang="en-US" dirty="0"/>
+              <a:t>sources</a:t>
+            </a:r>
+          </a:p>
+        </p:txBody>
+      </p:sp>
+      <p:sp>
+        <p:nvSpPr>
+          <p:cNvPr id="21" name="Rectangle 20">
+            <a:extLst>
+              <a:ext uri="{FF2B5EF4-FFF2-40B4-BE49-F238E27FC236}">
+                <a16:creationId xmlns:a16="http://schemas.microsoft.com/office/drawing/2014/main" id="{2C78D7F8-65C0-4B57-A41E-A5F128818943}"/>
+              </a:ext>
+            </a:extLst>
+          </p:cNvPr>
+          <p:cNvSpPr/>
+          <p:nvPr/>
+        </p:nvSpPr>
+        <p:spPr>
+          <a:xfrm>
+            <a:off x="8760328" y="1997481"/>
+            <a:ext cx="1191123" cy="441576"/>
+          </a:xfrm>
+          <a:prstGeom prst="rect">
+            <a:avLst/>
+          </a:prstGeom>
+          <a:solidFill>
+            <a:schemeClr val="accent6">
+              <a:lumMod val="60000"/>
+              <a:lumOff val="40000"/>
+            </a:schemeClr>
+          </a:solidFill>
+        </p:spPr>
+        <p:style>
+          <a:lnRef idx="2">
+            <a:schemeClr val="accent1">
+              <a:shade val="50000"/>
+            </a:schemeClr>
+          </a:lnRef>
+          <a:fillRef idx="1">
+            <a:schemeClr val="accent1"/>
+          </a:fillRef>
+          <a:effectRef idx="0">
+            <a:schemeClr val="accent1"/>
+          </a:effectRef>
+          <a:fontRef idx="minor">
+            <a:schemeClr val="lt1"/>
+          </a:fontRef>
+        </p:style>
+        <p:txBody>
+          <a:bodyPr rtlCol="0" anchor="ctr"/>
+          <a:lstStyle/>
+          <a:p>
+            <a:pPr algn="ctr"/>
+            <a:r>
+              <a:rPr lang="en-US" b="1" dirty="0" err="1"/>
+              <a:t>Emp</a:t>
+            </a:r>
+            <a:r>
+              <a:rPr lang="en-US" b="1" dirty="0"/>
+              <a:t> </a:t>
+            </a:r>
+            <a:r>
+              <a:rPr lang="en-US" b="1" dirty="0" err="1"/>
+              <a:t>phyto</a:t>
+            </a:r>
+            <a:endParaRPr lang="en-US" b="1" dirty="0"/>
+          </a:p>
+        </p:txBody>
+      </p:sp>
+    </p:spTree>
+    <p:extLst>
+      <p:ext uri="{BB962C8B-B14F-4D97-AF65-F5344CB8AC3E}">
+        <p14:creationId xmlns:p14="http://schemas.microsoft.com/office/powerpoint/2010/main" val="1212280736"/>
+      </p:ext>
+    </p:extLst>
+  </p:cSld>
+  <p:clrMapOvr>
+    <a:masterClrMapping/>
+  </p:clrMapOvr>
+</p:sld>
+</file>
+
 <file path=ppt/theme/theme1.xml><?xml version="1.0" encoding="utf-8"?>
 <a:theme xmlns:a="http://schemas.openxmlformats.org/drawingml/2006/main" name="Office Theme">
   <a:themeElements>
